--- a/slides/Week5.pptx
+++ b/slides/Week5.pptx
@@ -9314,7 +9314,7 @@
             </a:pPr>
             <a:r>
               <a:rPr lang="en-US" dirty="0"/>
-              <a:t>	R=-0.4</a:t>
+              <a:t>	R=-0.273</a:t>
             </a:r>
           </a:p>
           <a:p>
